--- a/Presentations/2nd_presenation.pptx
+++ b/Presentations/2nd_presenation.pptx
@@ -6,13 +6,12 @@
   </p:sldMasterIdLst>
   <p:sldIdLst>
     <p:sldId id="256" r:id="rId2"/>
-    <p:sldId id="263" r:id="rId3"/>
-    <p:sldId id="262" r:id="rId4"/>
-    <p:sldId id="264" r:id="rId5"/>
-    <p:sldId id="258" r:id="rId6"/>
-    <p:sldId id="259" r:id="rId7"/>
-    <p:sldId id="260" r:id="rId8"/>
-    <p:sldId id="261" r:id="rId9"/>
+    <p:sldId id="265" r:id="rId3"/>
+    <p:sldId id="263" r:id="rId4"/>
+    <p:sldId id="262" r:id="rId5"/>
+    <p:sldId id="264" r:id="rId6"/>
+    <p:sldId id="258" r:id="rId7"/>
+    <p:sldId id="266" r:id="rId8"/>
   </p:sldIdLst>
   <p:sldSz cx="12192000" cy="6858000"/>
   <p:notesSz cx="6858000" cy="9144000"/>
@@ -169,7 +168,7 @@
           <a:noFill/>
           <a:extLst>
             <a:ext uri="{909E8E84-426E-40dd-AFC4-6F175D3DCCD1}">
-              <a14:hiddenFill xmlns="" xmlns:a14="http://schemas.microsoft.com/office/drawing/2010/main">
+              <a14:hiddenFill xmlns:a14="http://schemas.microsoft.com/office/drawing/2010/main" xmlns="">
                 <a:solidFill>
                   <a:srgbClr val="FFFFFF"/>
                 </a:solidFill>
@@ -229,7 +228,7 @@
             </a:ln>
             <a:extLst>
               <a:ext uri="{91240B29-F687-4f45-9708-019B960494DF}">
-                <a14:hiddenLine xmlns="" xmlns:a14="http://schemas.microsoft.com/office/drawing/2010/main" w="9525">
+                <a14:hiddenLine xmlns:a14="http://schemas.microsoft.com/office/drawing/2010/main" xmlns="" w="9525">
                   <a:solidFill>
                     <a:srgbClr val="000000"/>
                   </a:solidFill>
@@ -319,7 +318,7 @@
             </a:ln>
             <a:extLst>
               <a:ext uri="{91240B29-F687-4f45-9708-019B960494DF}">
-                <a14:hiddenLine xmlns="" xmlns:a14="http://schemas.microsoft.com/office/drawing/2010/main" w="9525">
+                <a14:hiddenLine xmlns:a14="http://schemas.microsoft.com/office/drawing/2010/main" xmlns="" w="9525">
                   <a:solidFill>
                     <a:srgbClr val="000000"/>
                   </a:solidFill>
@@ -409,7 +408,7 @@
             </a:ln>
             <a:extLst>
               <a:ext uri="{91240B29-F687-4f45-9708-019B960494DF}">
-                <a14:hiddenLine xmlns="" xmlns:a14="http://schemas.microsoft.com/office/drawing/2010/main" w="9525">
+                <a14:hiddenLine xmlns:a14="http://schemas.microsoft.com/office/drawing/2010/main" xmlns="" w="9525">
                   <a:solidFill>
                     <a:srgbClr val="000000"/>
                   </a:solidFill>
@@ -443,7 +442,7 @@
             </a:ln>
             <a:extLst>
               <a:ext uri="{91240B29-F687-4f45-9708-019B960494DF}">
-                <a14:hiddenLine xmlns="" xmlns:a14="http://schemas.microsoft.com/office/drawing/2010/main" w="9525">
+                <a14:hiddenLine xmlns:a14="http://schemas.microsoft.com/office/drawing/2010/main" xmlns="" w="9525">
                   <a:solidFill>
                     <a:srgbClr val="000000"/>
                   </a:solidFill>
@@ -533,7 +532,7 @@
             </a:ln>
             <a:extLst>
               <a:ext uri="{91240B29-F687-4f45-9708-019B960494DF}">
-                <a14:hiddenLine xmlns="" xmlns:a14="http://schemas.microsoft.com/office/drawing/2010/main" w="9525">
+                <a14:hiddenLine xmlns:a14="http://schemas.microsoft.com/office/drawing/2010/main" xmlns="" w="9525">
                   <a:solidFill>
                     <a:srgbClr val="000000"/>
                   </a:solidFill>
@@ -595,7 +594,7 @@
             </a:ln>
             <a:extLst>
               <a:ext uri="{91240B29-F687-4f45-9708-019B960494DF}">
-                <a14:hiddenLine xmlns="" xmlns:a14="http://schemas.microsoft.com/office/drawing/2010/main" w="9525">
+                <a14:hiddenLine xmlns:a14="http://schemas.microsoft.com/office/drawing/2010/main" xmlns="" w="9525">
                   <a:solidFill>
                     <a:srgbClr val="000000"/>
                   </a:solidFill>
@@ -657,7 +656,7 @@
             </a:ln>
             <a:extLst>
               <a:ext uri="{91240B29-F687-4f45-9708-019B960494DF}">
-                <a14:hiddenLine xmlns="" xmlns:a14="http://schemas.microsoft.com/office/drawing/2010/main" w="9525">
+                <a14:hiddenLine xmlns:a14="http://schemas.microsoft.com/office/drawing/2010/main" xmlns="" w="9525">
                   <a:solidFill>
                     <a:srgbClr val="000000"/>
                   </a:solidFill>
@@ -747,7 +746,7 @@
             </a:ln>
             <a:extLst>
               <a:ext uri="{91240B29-F687-4f45-9708-019B960494DF}">
-                <a14:hiddenLine xmlns="" xmlns:a14="http://schemas.microsoft.com/office/drawing/2010/main" w="9525">
+                <a14:hiddenLine xmlns:a14="http://schemas.microsoft.com/office/drawing/2010/main" xmlns="" w="9525">
                   <a:solidFill>
                     <a:srgbClr val="000000"/>
                   </a:solidFill>
@@ -809,7 +808,7 @@
             </a:ln>
             <a:extLst>
               <a:ext uri="{91240B29-F687-4f45-9708-019B960494DF}">
-                <a14:hiddenLine xmlns="" xmlns:a14="http://schemas.microsoft.com/office/drawing/2010/main" w="9525">
+                <a14:hiddenLine xmlns:a14="http://schemas.microsoft.com/office/drawing/2010/main" xmlns="" w="9525">
                   <a:solidFill>
                     <a:srgbClr val="000000"/>
                   </a:solidFill>
@@ -871,7 +870,7 @@
             </a:ln>
             <a:extLst>
               <a:ext uri="{91240B29-F687-4f45-9708-019B960494DF}">
-                <a14:hiddenLine xmlns="" xmlns:a14="http://schemas.microsoft.com/office/drawing/2010/main" w="9525">
+                <a14:hiddenLine xmlns:a14="http://schemas.microsoft.com/office/drawing/2010/main" xmlns="" w="9525">
                   <a:solidFill>
                     <a:srgbClr val="000000"/>
                   </a:solidFill>
@@ -961,7 +960,7 @@
             </a:ln>
             <a:extLst>
               <a:ext uri="{91240B29-F687-4f45-9708-019B960494DF}">
-                <a14:hiddenLine xmlns="" xmlns:a14="http://schemas.microsoft.com/office/drawing/2010/main" w="9525">
+                <a14:hiddenLine xmlns:a14="http://schemas.microsoft.com/office/drawing/2010/main" xmlns="" w="9525">
                   <a:solidFill>
                     <a:srgbClr val="000000"/>
                   </a:solidFill>
@@ -1051,7 +1050,7 @@
             </a:ln>
             <a:extLst>
               <a:ext uri="{91240B29-F687-4f45-9708-019B960494DF}">
-                <a14:hiddenLine xmlns="" xmlns:a14="http://schemas.microsoft.com/office/drawing/2010/main" w="9525">
+                <a14:hiddenLine xmlns:a14="http://schemas.microsoft.com/office/drawing/2010/main" xmlns="" w="9525">
                   <a:solidFill>
                     <a:srgbClr val="000000"/>
                   </a:solidFill>
@@ -1113,7 +1112,7 @@
             </a:ln>
             <a:extLst>
               <a:ext uri="{91240B29-F687-4f45-9708-019B960494DF}">
-                <a14:hiddenLine xmlns="" xmlns:a14="http://schemas.microsoft.com/office/drawing/2010/main" w="9525">
+                <a14:hiddenLine xmlns:a14="http://schemas.microsoft.com/office/drawing/2010/main" xmlns="" w="9525">
                   <a:solidFill>
                     <a:srgbClr val="000000"/>
                   </a:solidFill>
@@ -1223,7 +1222,7 @@
             </a:ln>
             <a:extLst>
               <a:ext uri="{91240B29-F687-4f45-9708-019B960494DF}">
-                <a14:hiddenLine xmlns="" xmlns:a14="http://schemas.microsoft.com/office/drawing/2010/main" w="9525">
+                <a14:hiddenLine xmlns:a14="http://schemas.microsoft.com/office/drawing/2010/main" xmlns="" w="9525">
                   <a:solidFill>
                     <a:srgbClr val="000000"/>
                   </a:solidFill>
@@ -1285,7 +1284,7 @@
             </a:ln>
             <a:extLst>
               <a:ext uri="{91240B29-F687-4f45-9708-019B960494DF}">
-                <a14:hiddenLine xmlns="" xmlns:a14="http://schemas.microsoft.com/office/drawing/2010/main" w="9525">
+                <a14:hiddenLine xmlns:a14="http://schemas.microsoft.com/office/drawing/2010/main" xmlns="" w="9525">
                   <a:solidFill>
                     <a:srgbClr val="000000"/>
                   </a:solidFill>
@@ -1375,7 +1374,7 @@
             </a:ln>
             <a:extLst>
               <a:ext uri="{91240B29-F687-4f45-9708-019B960494DF}">
-                <a14:hiddenLine xmlns="" xmlns:a14="http://schemas.microsoft.com/office/drawing/2010/main" w="9525">
+                <a14:hiddenLine xmlns:a14="http://schemas.microsoft.com/office/drawing/2010/main" xmlns="" w="9525">
                   <a:solidFill>
                     <a:srgbClr val="000000"/>
                   </a:solidFill>
@@ -1465,7 +1464,7 @@
             </a:ln>
             <a:extLst>
               <a:ext uri="{91240B29-F687-4f45-9708-019B960494DF}">
-                <a14:hiddenLine xmlns="" xmlns:a14="http://schemas.microsoft.com/office/drawing/2010/main" w="9525">
+                <a14:hiddenLine xmlns:a14="http://schemas.microsoft.com/office/drawing/2010/main" xmlns="" w="9525">
                   <a:solidFill>
                     <a:srgbClr val="000000"/>
                   </a:solidFill>
@@ -1527,7 +1526,7 @@
             </a:ln>
             <a:extLst>
               <a:ext uri="{91240B29-F687-4f45-9708-019B960494DF}">
-                <a14:hiddenLine xmlns="" xmlns:a14="http://schemas.microsoft.com/office/drawing/2010/main" w="9525">
+                <a14:hiddenLine xmlns:a14="http://schemas.microsoft.com/office/drawing/2010/main" xmlns="" w="9525">
                   <a:solidFill>
                     <a:srgbClr val="000000"/>
                   </a:solidFill>
@@ -1617,7 +1616,7 @@
             </a:ln>
             <a:extLst>
               <a:ext uri="{91240B29-F687-4f45-9708-019B960494DF}">
-                <a14:hiddenLine xmlns="" xmlns:a14="http://schemas.microsoft.com/office/drawing/2010/main" w="9525">
+                <a14:hiddenLine xmlns:a14="http://schemas.microsoft.com/office/drawing/2010/main" xmlns="" w="9525">
                   <a:solidFill>
                     <a:srgbClr val="000000"/>
                   </a:solidFill>
@@ -1707,7 +1706,7 @@
             </a:ln>
             <a:extLst>
               <a:ext uri="{91240B29-F687-4f45-9708-019B960494DF}">
-                <a14:hiddenLine xmlns="" xmlns:a14="http://schemas.microsoft.com/office/drawing/2010/main" w="9525">
+                <a14:hiddenLine xmlns:a14="http://schemas.microsoft.com/office/drawing/2010/main" xmlns="" w="9525">
                   <a:solidFill>
                     <a:srgbClr val="000000"/>
                   </a:solidFill>
@@ -1763,7 +1762,7 @@
             </a:ln>
             <a:extLst>
               <a:ext uri="{91240B29-F687-4f45-9708-019B960494DF}">
-                <a14:hiddenLine xmlns="" xmlns:a14="http://schemas.microsoft.com/office/drawing/2010/main" w="9525">
+                <a14:hiddenLine xmlns:a14="http://schemas.microsoft.com/office/drawing/2010/main" xmlns="" w="9525">
                   <a:solidFill>
                     <a:srgbClr val="000000"/>
                   </a:solidFill>
@@ -1853,7 +1852,7 @@
             </a:ln>
             <a:extLst>
               <a:ext uri="{91240B29-F687-4f45-9708-019B960494DF}">
-                <a14:hiddenLine xmlns="" xmlns:a14="http://schemas.microsoft.com/office/drawing/2010/main" w="9525">
+                <a14:hiddenLine xmlns:a14="http://schemas.microsoft.com/office/drawing/2010/main" xmlns="" w="9525">
                   <a:solidFill>
                     <a:srgbClr val="000000"/>
                   </a:solidFill>
@@ -1909,7 +1908,7 @@
             </a:ln>
             <a:extLst>
               <a:ext uri="{91240B29-F687-4f45-9708-019B960494DF}">
-                <a14:hiddenLine xmlns="" xmlns:a14="http://schemas.microsoft.com/office/drawing/2010/main" w="9525">
+                <a14:hiddenLine xmlns:a14="http://schemas.microsoft.com/office/drawing/2010/main" xmlns="" w="9525">
                   <a:solidFill>
                     <a:srgbClr val="000000"/>
                   </a:solidFill>
@@ -1999,7 +1998,7 @@
             </a:ln>
             <a:extLst>
               <a:ext uri="{91240B29-F687-4f45-9708-019B960494DF}">
-                <a14:hiddenLine xmlns="" xmlns:a14="http://schemas.microsoft.com/office/drawing/2010/main" w="9525">
+                <a14:hiddenLine xmlns:a14="http://schemas.microsoft.com/office/drawing/2010/main" xmlns="" w="9525">
                   <a:solidFill>
                     <a:srgbClr val="000000"/>
                   </a:solidFill>
@@ -2067,7 +2066,7 @@
             </a:ln>
             <a:extLst>
               <a:ext uri="{91240B29-F687-4f45-9708-019B960494DF}">
-                <a14:hiddenLine xmlns="" xmlns:a14="http://schemas.microsoft.com/office/drawing/2010/main" w="9525">
+                <a14:hiddenLine xmlns:a14="http://schemas.microsoft.com/office/drawing/2010/main" xmlns="" w="9525">
                   <a:solidFill>
                     <a:srgbClr val="000000"/>
                   </a:solidFill>
@@ -2157,7 +2156,7 @@
             </a:ln>
             <a:extLst>
               <a:ext uri="{91240B29-F687-4f45-9708-019B960494DF}">
-                <a14:hiddenLine xmlns="" xmlns:a14="http://schemas.microsoft.com/office/drawing/2010/main" w="9525">
+                <a14:hiddenLine xmlns:a14="http://schemas.microsoft.com/office/drawing/2010/main" xmlns="" w="9525">
                   <a:solidFill>
                     <a:srgbClr val="000000"/>
                   </a:solidFill>
@@ -2225,7 +2224,7 @@
             </a:ln>
             <a:extLst>
               <a:ext uri="{91240B29-F687-4f45-9708-019B960494DF}">
-                <a14:hiddenLine xmlns="" xmlns:a14="http://schemas.microsoft.com/office/drawing/2010/main" w="9525">
+                <a14:hiddenLine xmlns:a14="http://schemas.microsoft.com/office/drawing/2010/main" xmlns="" w="9525">
                   <a:solidFill>
                     <a:srgbClr val="000000"/>
                   </a:solidFill>
@@ -2315,7 +2314,7 @@
             </a:ln>
             <a:extLst>
               <a:ext uri="{91240B29-F687-4f45-9708-019B960494DF}">
-                <a14:hiddenLine xmlns="" xmlns:a14="http://schemas.microsoft.com/office/drawing/2010/main" w="9525">
+                <a14:hiddenLine xmlns:a14="http://schemas.microsoft.com/office/drawing/2010/main" xmlns="" w="9525">
                   <a:solidFill>
                     <a:srgbClr val="000000"/>
                   </a:solidFill>
@@ -2349,7 +2348,7 @@
             </a:ln>
             <a:extLst>
               <a:ext uri="{91240B29-F687-4f45-9708-019B960494DF}">
-                <a14:hiddenLine xmlns="" xmlns:a14="http://schemas.microsoft.com/office/drawing/2010/main" w="9525">
+                <a14:hiddenLine xmlns:a14="http://schemas.microsoft.com/office/drawing/2010/main" xmlns="" w="9525">
                   <a:solidFill>
                     <a:srgbClr val="000000"/>
                   </a:solidFill>
@@ -2439,7 +2438,7 @@
             </a:ln>
             <a:extLst>
               <a:ext uri="{91240B29-F687-4f45-9708-019B960494DF}">
-                <a14:hiddenLine xmlns="" xmlns:a14="http://schemas.microsoft.com/office/drawing/2010/main" w="9525">
+                <a14:hiddenLine xmlns:a14="http://schemas.microsoft.com/office/drawing/2010/main" xmlns="" w="9525">
                   <a:solidFill>
                     <a:srgbClr val="000000"/>
                   </a:solidFill>
@@ -2501,7 +2500,7 @@
             </a:ln>
             <a:extLst>
               <a:ext uri="{91240B29-F687-4f45-9708-019B960494DF}">
-                <a14:hiddenLine xmlns="" xmlns:a14="http://schemas.microsoft.com/office/drawing/2010/main" w="9525">
+                <a14:hiddenLine xmlns:a14="http://schemas.microsoft.com/office/drawing/2010/main" xmlns="" w="9525">
                   <a:solidFill>
                     <a:srgbClr val="000000"/>
                   </a:solidFill>
@@ -2563,7 +2562,7 @@
             </a:ln>
             <a:extLst>
               <a:ext uri="{91240B29-F687-4f45-9708-019B960494DF}">
-                <a14:hiddenLine xmlns="" xmlns:a14="http://schemas.microsoft.com/office/drawing/2010/main" w="9525">
+                <a14:hiddenLine xmlns:a14="http://schemas.microsoft.com/office/drawing/2010/main" xmlns="" w="9525">
                   <a:solidFill>
                     <a:srgbClr val="000000"/>
                   </a:solidFill>
@@ -2653,7 +2652,7 @@
             </a:ln>
             <a:extLst>
               <a:ext uri="{91240B29-F687-4f45-9708-019B960494DF}">
-                <a14:hiddenLine xmlns="" xmlns:a14="http://schemas.microsoft.com/office/drawing/2010/main" w="9525">
+                <a14:hiddenLine xmlns:a14="http://schemas.microsoft.com/office/drawing/2010/main" xmlns="" w="9525">
                   <a:solidFill>
                     <a:srgbClr val="000000"/>
                   </a:solidFill>
@@ -2721,7 +2720,7 @@
             </a:ln>
             <a:extLst>
               <a:ext uri="{91240B29-F687-4f45-9708-019B960494DF}">
-                <a14:hiddenLine xmlns="" xmlns:a14="http://schemas.microsoft.com/office/drawing/2010/main" w="9525">
+                <a14:hiddenLine xmlns:a14="http://schemas.microsoft.com/office/drawing/2010/main" xmlns="" w="9525">
                   <a:solidFill>
                     <a:srgbClr val="000000"/>
                   </a:solidFill>
@@ -2783,7 +2782,7 @@
             </a:ln>
             <a:extLst>
               <a:ext uri="{91240B29-F687-4f45-9708-019B960494DF}">
-                <a14:hiddenLine xmlns="" xmlns:a14="http://schemas.microsoft.com/office/drawing/2010/main" w="9525">
+                <a14:hiddenLine xmlns:a14="http://schemas.microsoft.com/office/drawing/2010/main" xmlns="" w="9525">
                   <a:solidFill>
                     <a:srgbClr val="000000"/>
                   </a:solidFill>
@@ -2873,7 +2872,7 @@
             </a:ln>
             <a:extLst>
               <a:ext uri="{91240B29-F687-4f45-9708-019B960494DF}">
-                <a14:hiddenLine xmlns="" xmlns:a14="http://schemas.microsoft.com/office/drawing/2010/main" w="9525">
+                <a14:hiddenLine xmlns:a14="http://schemas.microsoft.com/office/drawing/2010/main" xmlns="" w="9525">
                   <a:solidFill>
                     <a:srgbClr val="000000"/>
                   </a:solidFill>
@@ -2935,7 +2934,7 @@
             </a:ln>
             <a:extLst>
               <a:ext uri="{91240B29-F687-4f45-9708-019B960494DF}">
-                <a14:hiddenLine xmlns="" xmlns:a14="http://schemas.microsoft.com/office/drawing/2010/main" w="9525">
+                <a14:hiddenLine xmlns:a14="http://schemas.microsoft.com/office/drawing/2010/main" xmlns="" w="9525">
                   <a:solidFill>
                     <a:srgbClr val="000000"/>
                   </a:solidFill>
@@ -3025,7 +3024,7 @@
             </a:ln>
             <a:extLst>
               <a:ext uri="{91240B29-F687-4f45-9708-019B960494DF}">
-                <a14:hiddenLine xmlns="" xmlns:a14="http://schemas.microsoft.com/office/drawing/2010/main" w="9525">
+                <a14:hiddenLine xmlns:a14="http://schemas.microsoft.com/office/drawing/2010/main" xmlns="" w="9525">
                   <a:solidFill>
                     <a:srgbClr val="000000"/>
                   </a:solidFill>
@@ -3087,7 +3086,7 @@
             </a:ln>
             <a:extLst>
               <a:ext uri="{91240B29-F687-4f45-9708-019B960494DF}">
-                <a14:hiddenLine xmlns="" xmlns:a14="http://schemas.microsoft.com/office/drawing/2010/main" w="9525">
+                <a14:hiddenLine xmlns:a14="http://schemas.microsoft.com/office/drawing/2010/main" xmlns="" w="9525">
                   <a:solidFill>
                     <a:srgbClr val="000000"/>
                   </a:solidFill>
@@ -3177,7 +3176,7 @@
             </a:ln>
             <a:extLst>
               <a:ext uri="{91240B29-F687-4f45-9708-019B960494DF}">
-                <a14:hiddenLine xmlns="" xmlns:a14="http://schemas.microsoft.com/office/drawing/2010/main" w="9525">
+                <a14:hiddenLine xmlns:a14="http://schemas.microsoft.com/office/drawing/2010/main" xmlns="" w="9525">
                   <a:solidFill>
                     <a:srgbClr val="000000"/>
                   </a:solidFill>
@@ -3211,7 +3210,7 @@
             </a:ln>
             <a:extLst>
               <a:ext uri="{91240B29-F687-4f45-9708-019B960494DF}">
-                <a14:hiddenLine xmlns="" xmlns:a14="http://schemas.microsoft.com/office/drawing/2010/main" w="9525">
+                <a14:hiddenLine xmlns:a14="http://schemas.microsoft.com/office/drawing/2010/main" xmlns="" w="9525">
                   <a:solidFill>
                     <a:srgbClr val="000000"/>
                   </a:solidFill>
@@ -3276,7 +3275,7 @@
             </a:ln>
             <a:extLst>
               <a:ext uri="{91240B29-F687-4f45-9708-019B960494DF}">
-                <a14:hiddenLine xmlns="" xmlns:a14="http://schemas.microsoft.com/office/drawing/2010/main" w="9525">
+                <a14:hiddenLine xmlns:a14="http://schemas.microsoft.com/office/drawing/2010/main" xmlns="" w="9525">
                   <a:solidFill>
                     <a:srgbClr val="000000"/>
                   </a:solidFill>
@@ -3366,7 +3365,7 @@
             </a:ln>
             <a:extLst>
               <a:ext uri="{91240B29-F687-4f45-9708-019B960494DF}">
-                <a14:hiddenLine xmlns="" xmlns:a14="http://schemas.microsoft.com/office/drawing/2010/main" w="9525">
+                <a14:hiddenLine xmlns:a14="http://schemas.microsoft.com/office/drawing/2010/main" xmlns="" w="9525">
                   <a:solidFill>
                     <a:srgbClr val="000000"/>
                   </a:solidFill>
@@ -3428,7 +3427,7 @@
             </a:ln>
             <a:extLst>
               <a:ext uri="{91240B29-F687-4f45-9708-019B960494DF}">
-                <a14:hiddenLine xmlns="" xmlns:a14="http://schemas.microsoft.com/office/drawing/2010/main" w="9525">
+                <a14:hiddenLine xmlns:a14="http://schemas.microsoft.com/office/drawing/2010/main" xmlns="" w="9525">
                   <a:solidFill>
                     <a:srgbClr val="000000"/>
                   </a:solidFill>
@@ -3518,7 +3517,7 @@
             </a:ln>
             <a:extLst>
               <a:ext uri="{91240B29-F687-4f45-9708-019B960494DF}">
-                <a14:hiddenLine xmlns="" xmlns:a14="http://schemas.microsoft.com/office/drawing/2010/main" w="9525">
+                <a14:hiddenLine xmlns:a14="http://schemas.microsoft.com/office/drawing/2010/main" xmlns="" w="9525">
                   <a:solidFill>
                     <a:srgbClr val="000000"/>
                   </a:solidFill>
@@ -3608,7 +3607,7 @@
             </a:ln>
             <a:extLst>
               <a:ext uri="{91240B29-F687-4f45-9708-019B960494DF}">
-                <a14:hiddenLine xmlns="" xmlns:a14="http://schemas.microsoft.com/office/drawing/2010/main" w="9525">
+                <a14:hiddenLine xmlns:a14="http://schemas.microsoft.com/office/drawing/2010/main" xmlns="" w="9525">
                   <a:solidFill>
                     <a:srgbClr val="000000"/>
                   </a:solidFill>
@@ -3673,7 +3672,7 @@
             </a:ln>
             <a:extLst>
               <a:ext uri="{91240B29-F687-4f45-9708-019B960494DF}">
-                <a14:hiddenLine xmlns="" xmlns:a14="http://schemas.microsoft.com/office/drawing/2010/main" w="9525">
+                <a14:hiddenLine xmlns:a14="http://schemas.microsoft.com/office/drawing/2010/main" xmlns="" w="9525">
                   <a:solidFill>
                     <a:srgbClr val="000000"/>
                   </a:solidFill>
@@ -3735,7 +3734,7 @@
             </a:ln>
             <a:extLst>
               <a:ext uri="{91240B29-F687-4f45-9708-019B960494DF}">
-                <a14:hiddenLine xmlns="" xmlns:a14="http://schemas.microsoft.com/office/drawing/2010/main" w="9525">
+                <a14:hiddenLine xmlns:a14="http://schemas.microsoft.com/office/drawing/2010/main" xmlns="" w="9525">
                   <a:solidFill>
                     <a:srgbClr val="000000"/>
                   </a:solidFill>
@@ -3825,7 +3824,7 @@
             </a:ln>
             <a:extLst>
               <a:ext uri="{91240B29-F687-4f45-9708-019B960494DF}">
-                <a14:hiddenLine xmlns="" xmlns:a14="http://schemas.microsoft.com/office/drawing/2010/main" w="9525">
+                <a14:hiddenLine xmlns:a14="http://schemas.microsoft.com/office/drawing/2010/main" xmlns="" w="9525">
                   <a:solidFill>
                     <a:srgbClr val="000000"/>
                   </a:solidFill>
@@ -3915,7 +3914,7 @@
             </a:ln>
             <a:extLst>
               <a:ext uri="{91240B29-F687-4f45-9708-019B960494DF}">
-                <a14:hiddenLine xmlns="" xmlns:a14="http://schemas.microsoft.com/office/drawing/2010/main" w="9525">
+                <a14:hiddenLine xmlns:a14="http://schemas.microsoft.com/office/drawing/2010/main" xmlns="" w="9525">
                   <a:solidFill>
                     <a:srgbClr val="000000"/>
                   </a:solidFill>
@@ -3977,7 +3976,7 @@
             </a:ln>
             <a:extLst>
               <a:ext uri="{91240B29-F687-4f45-9708-019B960494DF}">
-                <a14:hiddenLine xmlns="" xmlns:a14="http://schemas.microsoft.com/office/drawing/2010/main" w="9525">
+                <a14:hiddenLine xmlns:a14="http://schemas.microsoft.com/office/drawing/2010/main" xmlns="" w="9525">
                   <a:solidFill>
                     <a:srgbClr val="000000"/>
                   </a:solidFill>
@@ -4097,7 +4096,7 @@
             </a:ln>
             <a:extLst>
               <a:ext uri="{91240B29-F687-4f45-9708-019B960494DF}">
-                <a14:hiddenLine xmlns="" xmlns:a14="http://schemas.microsoft.com/office/drawing/2010/main" w="9525">
+                <a14:hiddenLine xmlns:a14="http://schemas.microsoft.com/office/drawing/2010/main" xmlns="" w="9525">
                   <a:solidFill>
                     <a:srgbClr val="000000"/>
                   </a:solidFill>
@@ -4165,7 +4164,7 @@
             </a:ln>
             <a:extLst>
               <a:ext uri="{91240B29-F687-4f45-9708-019B960494DF}">
-                <a14:hiddenLine xmlns="" xmlns:a14="http://schemas.microsoft.com/office/drawing/2010/main" w="9525">
+                <a14:hiddenLine xmlns:a14="http://schemas.microsoft.com/office/drawing/2010/main" xmlns="" w="9525">
                   <a:solidFill>
                     <a:srgbClr val="000000"/>
                   </a:solidFill>
@@ -4255,7 +4254,7 @@
             </a:ln>
             <a:extLst>
               <a:ext uri="{91240B29-F687-4f45-9708-019B960494DF}">
-                <a14:hiddenLine xmlns="" xmlns:a14="http://schemas.microsoft.com/office/drawing/2010/main" w="9525">
+                <a14:hiddenLine xmlns:a14="http://schemas.microsoft.com/office/drawing/2010/main" xmlns="" w="9525">
                   <a:solidFill>
                     <a:srgbClr val="000000"/>
                   </a:solidFill>
@@ -9062,7 +9061,7 @@
           <a:noFill/>
           <a:extLst>
             <a:ext uri="{909E8E84-426E-40dd-AFC4-6F175D3DCCD1}">
-              <a14:hiddenFill xmlns="" xmlns:a14="http://schemas.microsoft.com/office/drawing/2010/main">
+              <a14:hiddenFill xmlns:a14="http://schemas.microsoft.com/office/drawing/2010/main" xmlns="">
                 <a:solidFill>
                   <a:srgbClr val="FFFFFF"/>
                 </a:solidFill>
@@ -9136,7 +9135,7 @@
               </a:ln>
               <a:extLst>
                 <a:ext uri="{91240B29-F687-4f45-9708-019B960494DF}">
-                  <a14:hiddenLine xmlns="" xmlns:a14="http://schemas.microsoft.com/office/drawing/2010/main" w="9525">
+                  <a14:hiddenLine xmlns:a14="http://schemas.microsoft.com/office/drawing/2010/main" xmlns="" w="9525">
                     <a:solidFill>
                       <a:srgbClr val="000000"/>
                     </a:solidFill>
@@ -9226,7 +9225,7 @@
               </a:ln>
               <a:extLst>
                 <a:ext uri="{91240B29-F687-4f45-9708-019B960494DF}">
-                  <a14:hiddenLine xmlns="" xmlns:a14="http://schemas.microsoft.com/office/drawing/2010/main" w="9525">
+                  <a14:hiddenLine xmlns:a14="http://schemas.microsoft.com/office/drawing/2010/main" xmlns="" w="9525">
                     <a:solidFill>
                       <a:srgbClr val="000000"/>
                     </a:solidFill>
@@ -9316,7 +9315,7 @@
               </a:ln>
               <a:extLst>
                 <a:ext uri="{91240B29-F687-4f45-9708-019B960494DF}">
-                  <a14:hiddenLine xmlns="" xmlns:a14="http://schemas.microsoft.com/office/drawing/2010/main" w="9525">
+                  <a14:hiddenLine xmlns:a14="http://schemas.microsoft.com/office/drawing/2010/main" xmlns="" w="9525">
                     <a:solidFill>
                       <a:srgbClr val="000000"/>
                     </a:solidFill>
@@ -9378,7 +9377,7 @@
               </a:ln>
               <a:extLst>
                 <a:ext uri="{91240B29-F687-4f45-9708-019B960494DF}">
-                  <a14:hiddenLine xmlns="" xmlns:a14="http://schemas.microsoft.com/office/drawing/2010/main" w="9525">
+                  <a14:hiddenLine xmlns:a14="http://schemas.microsoft.com/office/drawing/2010/main" xmlns="" w="9525">
                     <a:solidFill>
                       <a:srgbClr val="000000"/>
                     </a:solidFill>
@@ -9468,7 +9467,7 @@
               </a:ln>
               <a:extLst>
                 <a:ext uri="{91240B29-F687-4f45-9708-019B960494DF}">
-                  <a14:hiddenLine xmlns="" xmlns:a14="http://schemas.microsoft.com/office/drawing/2010/main" w="9525">
+                  <a14:hiddenLine xmlns:a14="http://schemas.microsoft.com/office/drawing/2010/main" xmlns="" w="9525">
                     <a:solidFill>
                       <a:srgbClr val="000000"/>
                     </a:solidFill>
@@ -9530,7 +9529,7 @@
               </a:ln>
               <a:extLst>
                 <a:ext uri="{91240B29-F687-4f45-9708-019B960494DF}">
-                  <a14:hiddenLine xmlns="" xmlns:a14="http://schemas.microsoft.com/office/drawing/2010/main" w="9525">
+                  <a14:hiddenLine xmlns:a14="http://schemas.microsoft.com/office/drawing/2010/main" xmlns="" w="9525">
                     <a:solidFill>
                       <a:srgbClr val="000000"/>
                     </a:solidFill>
@@ -9592,7 +9591,7 @@
               </a:ln>
               <a:extLst>
                 <a:ext uri="{91240B29-F687-4f45-9708-019B960494DF}">
-                  <a14:hiddenLine xmlns="" xmlns:a14="http://schemas.microsoft.com/office/drawing/2010/main" w="9525">
+                  <a14:hiddenLine xmlns:a14="http://schemas.microsoft.com/office/drawing/2010/main" xmlns="" w="9525">
                     <a:solidFill>
                       <a:srgbClr val="000000"/>
                     </a:solidFill>
@@ -9682,7 +9681,7 @@
               </a:ln>
               <a:extLst>
                 <a:ext uri="{91240B29-F687-4f45-9708-019B960494DF}">
-                  <a14:hiddenLine xmlns="" xmlns:a14="http://schemas.microsoft.com/office/drawing/2010/main" w="9525">
+                  <a14:hiddenLine xmlns:a14="http://schemas.microsoft.com/office/drawing/2010/main" xmlns="" w="9525">
                     <a:solidFill>
                       <a:srgbClr val="000000"/>
                     </a:solidFill>
@@ -9772,7 +9771,7 @@
               </a:ln>
               <a:extLst>
                 <a:ext uri="{91240B29-F687-4f45-9708-019B960494DF}">
-                  <a14:hiddenLine xmlns="" xmlns:a14="http://schemas.microsoft.com/office/drawing/2010/main" w="9525">
+                  <a14:hiddenLine xmlns:a14="http://schemas.microsoft.com/office/drawing/2010/main" xmlns="" w="9525">
                     <a:solidFill>
                       <a:srgbClr val="000000"/>
                     </a:solidFill>
@@ -9834,7 +9833,7 @@
               </a:ln>
               <a:extLst>
                 <a:ext uri="{91240B29-F687-4f45-9708-019B960494DF}">
-                  <a14:hiddenLine xmlns="" xmlns:a14="http://schemas.microsoft.com/office/drawing/2010/main" w="9525">
+                  <a14:hiddenLine xmlns:a14="http://schemas.microsoft.com/office/drawing/2010/main" xmlns="" w="9525">
                     <a:solidFill>
                       <a:srgbClr val="000000"/>
                     </a:solidFill>
@@ -9944,7 +9943,7 @@
               </a:ln>
               <a:extLst>
                 <a:ext uri="{91240B29-F687-4f45-9708-019B960494DF}">
-                  <a14:hiddenLine xmlns="" xmlns:a14="http://schemas.microsoft.com/office/drawing/2010/main" w="9525">
+                  <a14:hiddenLine xmlns:a14="http://schemas.microsoft.com/office/drawing/2010/main" xmlns="" w="9525">
                     <a:solidFill>
                       <a:srgbClr val="000000"/>
                     </a:solidFill>
@@ -10028,7 +10027,7 @@
               </a:ln>
               <a:extLst>
                 <a:ext uri="{91240B29-F687-4f45-9708-019B960494DF}">
-                  <a14:hiddenLine xmlns="" xmlns:a14="http://schemas.microsoft.com/office/drawing/2010/main" w="9525">
+                  <a14:hiddenLine xmlns:a14="http://schemas.microsoft.com/office/drawing/2010/main" xmlns="" w="9525">
                     <a:solidFill>
                       <a:srgbClr val="000000"/>
                     </a:solidFill>
@@ -10090,7 +10089,7 @@
               </a:ln>
               <a:extLst>
                 <a:ext uri="{91240B29-F687-4f45-9708-019B960494DF}">
-                  <a14:hiddenLine xmlns="" xmlns:a14="http://schemas.microsoft.com/office/drawing/2010/main" w="9525">
+                  <a14:hiddenLine xmlns:a14="http://schemas.microsoft.com/office/drawing/2010/main" xmlns="" w="9525">
                     <a:solidFill>
                       <a:srgbClr val="000000"/>
                     </a:solidFill>
@@ -10152,7 +10151,7 @@
               </a:ln>
               <a:extLst>
                 <a:ext uri="{91240B29-F687-4f45-9708-019B960494DF}">
-                  <a14:hiddenLine xmlns="" xmlns:a14="http://schemas.microsoft.com/office/drawing/2010/main" w="9525">
+                  <a14:hiddenLine xmlns:a14="http://schemas.microsoft.com/office/drawing/2010/main" xmlns="" w="9525">
                     <a:solidFill>
                       <a:srgbClr val="000000"/>
                     </a:solidFill>
@@ -10242,7 +10241,7 @@
               </a:ln>
               <a:extLst>
                 <a:ext uri="{91240B29-F687-4f45-9708-019B960494DF}">
-                  <a14:hiddenLine xmlns="" xmlns:a14="http://schemas.microsoft.com/office/drawing/2010/main" w="9525">
+                  <a14:hiddenLine xmlns:a14="http://schemas.microsoft.com/office/drawing/2010/main" xmlns="" w="9525">
                     <a:solidFill>
                       <a:srgbClr val="000000"/>
                     </a:solidFill>
@@ -10276,7 +10275,7 @@
               </a:ln>
               <a:extLst>
                 <a:ext uri="{91240B29-F687-4f45-9708-019B960494DF}">
-                  <a14:hiddenLine xmlns="" xmlns:a14="http://schemas.microsoft.com/office/drawing/2010/main" w="9525">
+                  <a14:hiddenLine xmlns:a14="http://schemas.microsoft.com/office/drawing/2010/main" xmlns="" w="9525">
                     <a:solidFill>
                       <a:srgbClr val="000000"/>
                     </a:solidFill>
@@ -10341,7 +10340,7 @@
               </a:ln>
               <a:extLst>
                 <a:ext uri="{91240B29-F687-4f45-9708-019B960494DF}">
-                  <a14:hiddenLine xmlns="" xmlns:a14="http://schemas.microsoft.com/office/drawing/2010/main" w="9525">
+                  <a14:hiddenLine xmlns:a14="http://schemas.microsoft.com/office/drawing/2010/main" xmlns="" w="9525">
                     <a:solidFill>
                       <a:srgbClr val="000000"/>
                     </a:solidFill>
@@ -10431,7 +10430,7 @@
               </a:ln>
               <a:extLst>
                 <a:ext uri="{91240B29-F687-4f45-9708-019B960494DF}">
-                  <a14:hiddenLine xmlns="" xmlns:a14="http://schemas.microsoft.com/office/drawing/2010/main" w="9525">
+                  <a14:hiddenLine xmlns:a14="http://schemas.microsoft.com/office/drawing/2010/main" xmlns="" w="9525">
                     <a:solidFill>
                       <a:srgbClr val="000000"/>
                     </a:solidFill>
@@ -10493,7 +10492,7 @@
               </a:ln>
               <a:extLst>
                 <a:ext uri="{91240B29-F687-4f45-9708-019B960494DF}">
-                  <a14:hiddenLine xmlns="" xmlns:a14="http://schemas.microsoft.com/office/drawing/2010/main" w="9525">
+                  <a14:hiddenLine xmlns:a14="http://schemas.microsoft.com/office/drawing/2010/main" xmlns="" w="9525">
                     <a:solidFill>
                       <a:srgbClr val="000000"/>
                     </a:solidFill>
@@ -10583,7 +10582,7 @@
               </a:ln>
               <a:extLst>
                 <a:ext uri="{91240B29-F687-4f45-9708-019B960494DF}">
-                  <a14:hiddenLine xmlns="" xmlns:a14="http://schemas.microsoft.com/office/drawing/2010/main" w="9525">
+                  <a14:hiddenLine xmlns:a14="http://schemas.microsoft.com/office/drawing/2010/main" xmlns="" w="9525">
                     <a:solidFill>
                       <a:srgbClr val="000000"/>
                     </a:solidFill>
@@ -10648,7 +10647,7 @@
               </a:ln>
               <a:extLst>
                 <a:ext uri="{91240B29-F687-4f45-9708-019B960494DF}">
-                  <a14:hiddenLine xmlns="" xmlns:a14="http://schemas.microsoft.com/office/drawing/2010/main" w="9525">
+                  <a14:hiddenLine xmlns:a14="http://schemas.microsoft.com/office/drawing/2010/main" xmlns="" w="9525">
                     <a:solidFill>
                       <a:srgbClr val="000000"/>
                     </a:solidFill>
@@ -10710,7 +10709,7 @@
               </a:ln>
               <a:extLst>
                 <a:ext uri="{91240B29-F687-4f45-9708-019B960494DF}">
-                  <a14:hiddenLine xmlns="" xmlns:a14="http://schemas.microsoft.com/office/drawing/2010/main" w="9525">
+                  <a14:hiddenLine xmlns:a14="http://schemas.microsoft.com/office/drawing/2010/main" xmlns="" w="9525">
                     <a:solidFill>
                       <a:srgbClr val="000000"/>
                     </a:solidFill>
@@ -10800,7 +10799,7 @@
               </a:ln>
               <a:extLst>
                 <a:ext uri="{91240B29-F687-4f45-9708-019B960494DF}">
-                  <a14:hiddenLine xmlns="" xmlns:a14="http://schemas.microsoft.com/office/drawing/2010/main" w="9525">
+                  <a14:hiddenLine xmlns:a14="http://schemas.microsoft.com/office/drawing/2010/main" xmlns="" w="9525">
                     <a:solidFill>
                       <a:srgbClr val="000000"/>
                     </a:solidFill>
@@ -10890,7 +10889,7 @@
               </a:ln>
               <a:extLst>
                 <a:ext uri="{91240B29-F687-4f45-9708-019B960494DF}">
-                  <a14:hiddenLine xmlns="" xmlns:a14="http://schemas.microsoft.com/office/drawing/2010/main" w="9525">
+                  <a14:hiddenLine xmlns:a14="http://schemas.microsoft.com/office/drawing/2010/main" xmlns="" w="9525">
                     <a:solidFill>
                       <a:srgbClr val="000000"/>
                     </a:solidFill>
@@ -10955,7 +10954,7 @@
               </a:ln>
               <a:extLst>
                 <a:ext uri="{91240B29-F687-4f45-9708-019B960494DF}">
-                  <a14:hiddenLine xmlns="" xmlns:a14="http://schemas.microsoft.com/office/drawing/2010/main" w="9525">
+                  <a14:hiddenLine xmlns:a14="http://schemas.microsoft.com/office/drawing/2010/main" xmlns="" w="9525">
                     <a:solidFill>
                       <a:srgbClr val="000000"/>
                     </a:solidFill>
@@ -11075,7 +11074,7 @@
               </a:ln>
               <a:extLst>
                 <a:ext uri="{91240B29-F687-4f45-9708-019B960494DF}">
-                  <a14:hiddenLine xmlns="" xmlns:a14="http://schemas.microsoft.com/office/drawing/2010/main" w="9525">
+                  <a14:hiddenLine xmlns:a14="http://schemas.microsoft.com/office/drawing/2010/main" xmlns="" w="9525">
                     <a:solidFill>
                       <a:srgbClr val="000000"/>
                     </a:solidFill>
@@ -11173,7 +11172,7 @@
               </a:ln>
               <a:extLst>
                 <a:ext uri="{91240B29-F687-4f45-9708-019B960494DF}">
-                  <a14:hiddenLine xmlns="" xmlns:a14="http://schemas.microsoft.com/office/drawing/2010/main" w="9525">
+                  <a14:hiddenLine xmlns:a14="http://schemas.microsoft.com/office/drawing/2010/main" xmlns="" w="9525">
                     <a:solidFill>
                       <a:srgbClr val="000000"/>
                     </a:solidFill>
@@ -11288,7 +11287,7 @@
               </a:ln>
               <a:extLst>
                 <a:ext uri="{91240B29-F687-4f45-9708-019B960494DF}">
-                  <a14:hiddenLine xmlns="" xmlns:a14="http://schemas.microsoft.com/office/drawing/2010/main" w="9525">
+                  <a14:hiddenLine xmlns:a14="http://schemas.microsoft.com/office/drawing/2010/main" xmlns="" w="9525">
                     <a:solidFill>
                       <a:srgbClr val="000000"/>
                     </a:solidFill>
@@ -11378,7 +11377,7 @@
               </a:ln>
               <a:extLst>
                 <a:ext uri="{91240B29-F687-4f45-9708-019B960494DF}">
-                  <a14:hiddenLine xmlns="" xmlns:a14="http://schemas.microsoft.com/office/drawing/2010/main" w="9525">
+                  <a14:hiddenLine xmlns:a14="http://schemas.microsoft.com/office/drawing/2010/main" xmlns="" w="9525">
                     <a:solidFill>
                       <a:srgbClr val="000000"/>
                     </a:solidFill>
@@ -11443,7 +11442,7 @@
               </a:ln>
               <a:extLst>
                 <a:ext uri="{91240B29-F687-4f45-9708-019B960494DF}">
-                  <a14:hiddenLine xmlns="" xmlns:a14="http://schemas.microsoft.com/office/drawing/2010/main" w="9525">
+                  <a14:hiddenLine xmlns:a14="http://schemas.microsoft.com/office/drawing/2010/main" xmlns="" w="9525">
                     <a:solidFill>
                       <a:srgbClr val="000000"/>
                     </a:solidFill>
@@ -11533,7 +11532,7 @@
               </a:ln>
               <a:extLst>
                 <a:ext uri="{91240B29-F687-4f45-9708-019B960494DF}">
-                  <a14:hiddenLine xmlns="" xmlns:a14="http://schemas.microsoft.com/office/drawing/2010/main" w="9525">
+                  <a14:hiddenLine xmlns:a14="http://schemas.microsoft.com/office/drawing/2010/main" xmlns="" w="9525">
                     <a:solidFill>
                       <a:srgbClr val="000000"/>
                     </a:solidFill>
@@ -11601,7 +11600,7 @@
               </a:ln>
               <a:extLst>
                 <a:ext uri="{91240B29-F687-4f45-9708-019B960494DF}">
-                  <a14:hiddenLine xmlns="" xmlns:a14="http://schemas.microsoft.com/office/drawing/2010/main" w="9525">
+                  <a14:hiddenLine xmlns:a14="http://schemas.microsoft.com/office/drawing/2010/main" xmlns="" w="9525">
                     <a:solidFill>
                       <a:srgbClr val="000000"/>
                     </a:solidFill>
@@ -11691,7 +11690,7 @@
               </a:ln>
               <a:extLst>
                 <a:ext uri="{91240B29-F687-4f45-9708-019B960494DF}">
-                  <a14:hiddenLine xmlns="" xmlns:a14="http://schemas.microsoft.com/office/drawing/2010/main" w="9525">
+                  <a14:hiddenLine xmlns:a14="http://schemas.microsoft.com/office/drawing/2010/main" xmlns="" w="9525">
                     <a:solidFill>
                       <a:srgbClr val="000000"/>
                     </a:solidFill>
@@ -11759,7 +11758,7 @@
               </a:ln>
               <a:extLst>
                 <a:ext uri="{91240B29-F687-4f45-9708-019B960494DF}">
-                  <a14:hiddenLine xmlns="" xmlns:a14="http://schemas.microsoft.com/office/drawing/2010/main" w="9525">
+                  <a14:hiddenLine xmlns:a14="http://schemas.microsoft.com/office/drawing/2010/main" xmlns="" w="9525">
                     <a:solidFill>
                       <a:srgbClr val="000000"/>
                     </a:solidFill>
@@ -11849,7 +11848,7 @@
               </a:ln>
               <a:extLst>
                 <a:ext uri="{91240B29-F687-4f45-9708-019B960494DF}">
-                  <a14:hiddenLine xmlns="" xmlns:a14="http://schemas.microsoft.com/office/drawing/2010/main" w="9525">
+                  <a14:hiddenLine xmlns:a14="http://schemas.microsoft.com/office/drawing/2010/main" xmlns="" w="9525">
                     <a:solidFill>
                       <a:srgbClr val="000000"/>
                     </a:solidFill>
@@ -11883,7 +11882,7 @@
               </a:ln>
               <a:extLst>
                 <a:ext uri="{91240B29-F687-4f45-9708-019B960494DF}">
-                  <a14:hiddenLine xmlns="" xmlns:a14="http://schemas.microsoft.com/office/drawing/2010/main" w="9525">
+                  <a14:hiddenLine xmlns:a14="http://schemas.microsoft.com/office/drawing/2010/main" xmlns="" w="9525">
                     <a:solidFill>
                       <a:srgbClr val="000000"/>
                     </a:solidFill>
@@ -12582,6 +12581,146 @@
           <p:cNvPr id="2" name="Title 1">
             <a:extLst>
               <a:ext uri="{FF2B5EF4-FFF2-40B4-BE49-F238E27FC236}">
+                <a16:creationId xmlns:a16="http://schemas.microsoft.com/office/drawing/2014/main" id="{4743DD86-1E82-D900-FB54-E7A33A28D490}"/>
+              </a:ext>
+            </a:extLst>
+          </p:cNvPr>
+          <p:cNvSpPr>
+            <a:spLocks noGrp="1"/>
+          </p:cNvSpPr>
+          <p:nvPr>
+            <p:ph type="title"/>
+          </p:nvPr>
+        </p:nvSpPr>
+        <p:spPr/>
+        <p:txBody>
+          <a:bodyPr/>
+          <a:lstStyle/>
+          <a:p>
+            <a:r>
+              <a:rPr lang="en-US" dirty="0"/>
+              <a:t>Change in </a:t>
+            </a:r>
+            <a:r>
+              <a:rPr lang="en-US" dirty="0" err="1"/>
+              <a:t>fsm</a:t>
+            </a:r>
+            <a:endParaRPr lang="en-US" dirty="0"/>
+          </a:p>
+        </p:txBody>
+      </p:sp>
+      <p:sp>
+        <p:nvSpPr>
+          <p:cNvPr id="3" name="Content Placeholder 2">
+            <a:extLst>
+              <a:ext uri="{FF2B5EF4-FFF2-40B4-BE49-F238E27FC236}">
+                <a16:creationId xmlns:a16="http://schemas.microsoft.com/office/drawing/2014/main" id="{9B89777D-DE68-5F0B-404C-44A453680E95}"/>
+              </a:ext>
+            </a:extLst>
+          </p:cNvPr>
+          <p:cNvSpPr>
+            <a:spLocks noGrp="1"/>
+          </p:cNvSpPr>
+          <p:nvPr>
+            <p:ph idx="1"/>
+          </p:nvPr>
+        </p:nvSpPr>
+        <p:spPr>
+          <a:xfrm>
+            <a:off x="48475" y="2908249"/>
+            <a:ext cx="4266330" cy="1179513"/>
+          </a:xfrm>
+        </p:spPr>
+        <p:txBody>
+          <a:bodyPr>
+            <a:normAutofit fontScale="85000" lnSpcReduction="20000"/>
+          </a:bodyPr>
+          <a:lstStyle/>
+          <a:p>
+            <a:r>
+              <a:rPr lang="en-US" dirty="0"/>
+              <a:t>Added an extra state in order to give time to the BRAM to write</a:t>
+            </a:r>
+          </a:p>
+          <a:p>
+            <a:r>
+              <a:rPr lang="en-US" dirty="0"/>
+              <a:t>Removed RESET state</a:t>
+            </a:r>
+          </a:p>
+        </p:txBody>
+      </p:sp>
+      <p:pic>
+        <p:nvPicPr>
+          <p:cNvPr id="7" name="Graphic 6">
+            <a:extLst>
+              <a:ext uri="{FF2B5EF4-FFF2-40B4-BE49-F238E27FC236}">
+                <a16:creationId xmlns:a16="http://schemas.microsoft.com/office/drawing/2014/main" id="{17E67448-46C3-264E-A04D-3FC1E1CC12C9}"/>
+              </a:ext>
+            </a:extLst>
+          </p:cNvPr>
+          <p:cNvPicPr>
+            <a:picLocks noChangeAspect="1"/>
+          </p:cNvPicPr>
+          <p:nvPr/>
+        </p:nvPicPr>
+        <p:blipFill>
+          <a:blip r:embed="rId2">
+            <a:extLst>
+              <a:ext uri="{96DAC541-7B7A-43D3-8B79-37D633B846F1}">
+                <asvg:svgBlip xmlns:asvg="http://schemas.microsoft.com/office/drawing/2016/SVG/main" r:embed="rId3"/>
+              </a:ext>
+            </a:extLst>
+          </a:blip>
+          <a:stretch>
+            <a:fillRect/>
+          </a:stretch>
+        </p:blipFill>
+        <p:spPr>
+          <a:xfrm>
+            <a:off x="4693618" y="2212259"/>
+            <a:ext cx="7191157" cy="4149212"/>
+          </a:xfrm>
+          <a:prstGeom prst="rect">
+            <a:avLst/>
+          </a:prstGeom>
+        </p:spPr>
+      </p:pic>
+    </p:spTree>
+    <p:extLst>
+      <p:ext uri="{BB962C8B-B14F-4D97-AF65-F5344CB8AC3E}">
+        <p14:creationId xmlns:p14="http://schemas.microsoft.com/office/powerpoint/2010/main" val="1172864695"/>
+      </p:ext>
+    </p:extLst>
+  </p:cSld>
+  <p:clrMapOvr>
+    <a:masterClrMapping/>
+  </p:clrMapOvr>
+</p:sld>
+</file>
+
+<file path=ppt/slides/slide3.xml><?xml version="1.0" encoding="utf-8"?>
+<p:sld xmlns:a="http://schemas.openxmlformats.org/drawingml/2006/main" xmlns:r="http://schemas.openxmlformats.org/officeDocument/2006/relationships" xmlns:p="http://schemas.openxmlformats.org/presentationml/2006/main">
+  <p:cSld>
+    <p:spTree>
+      <p:nvGrpSpPr>
+        <p:cNvPr id="1" name=""/>
+        <p:cNvGrpSpPr/>
+        <p:nvPr/>
+      </p:nvGrpSpPr>
+      <p:grpSpPr>
+        <a:xfrm>
+          <a:off x="0" y="0"/>
+          <a:ext cx="0" cy="0"/>
+          <a:chOff x="0" y="0"/>
+          <a:chExt cx="0" cy="0"/>
+        </a:xfrm>
+      </p:grpSpPr>
+      <p:sp>
+        <p:nvSpPr>
+          <p:cNvPr id="2" name="Title 1">
+            <a:extLst>
+              <a:ext uri="{FF2B5EF4-FFF2-40B4-BE49-F238E27FC236}">
                 <a16:creationId xmlns:a16="http://schemas.microsoft.com/office/drawing/2014/main" id="{0B45576E-FE9D-63B2-A3BC-6AB2670ACA6F}"/>
               </a:ext>
             </a:extLst>
@@ -12683,7 +12822,7 @@
 </p:sld>
 </file>
 
-<file path=ppt/slides/slide3.xml><?xml version="1.0" encoding="utf-8"?>
+<file path=ppt/slides/slide4.xml><?xml version="1.0" encoding="utf-8"?>
 <p:sld xmlns:a="http://schemas.openxmlformats.org/drawingml/2006/main" xmlns:r="http://schemas.openxmlformats.org/officeDocument/2006/relationships" xmlns:p="http://schemas.openxmlformats.org/presentationml/2006/main">
   <p:cSld>
     <p:spTree>
@@ -12918,7 +13057,7 @@
 </p:sld>
 </file>
 
-<file path=ppt/slides/slide4.xml><?xml version="1.0" encoding="utf-8"?>
+<file path=ppt/slides/slide5.xml><?xml version="1.0" encoding="utf-8"?>
 <p:sld xmlns:a="http://schemas.openxmlformats.org/drawingml/2006/main" xmlns:r="http://schemas.openxmlformats.org/officeDocument/2006/relationships" xmlns:p="http://schemas.openxmlformats.org/presentationml/2006/main">
   <p:cSld>
     <p:spTree>
@@ -12958,7 +13097,7 @@
           <a:p>
             <a:r>
               <a:rPr lang="en-US" dirty="0"/>
-              <a:t>Next steps</a:t>
+              <a:t>Integration in Risc-v</a:t>
             </a:r>
           </a:p>
         </p:txBody>
@@ -12979,15 +13118,17 @@
             <p:ph idx="1"/>
           </p:nvPr>
         </p:nvSpPr>
-        <p:spPr/>
+        <p:spPr>
+          <a:xfrm>
+            <a:off x="1141412" y="2249487"/>
+            <a:ext cx="9905999" cy="2116036"/>
+          </a:xfrm>
+        </p:spPr>
         <p:txBody>
           <a:bodyPr/>
           <a:lstStyle/>
           <a:p>
-            <a:r>
-              <a:rPr lang="en-US" dirty="0"/>
-              <a:t>Integration in RISC-V ?</a:t>
-            </a:r>
+            <a:endParaRPr lang="en-US" dirty="0"/>
           </a:p>
         </p:txBody>
       </p:sp>
@@ -13004,8 +13145,8 @@
 </p:sld>
 </file>
 
-<file path=ppt/slides/slide5.xml><?xml version="1.0" encoding="utf-8"?>
-<p:sld xmlns:a="http://schemas.openxmlformats.org/drawingml/2006/main" xmlns:r="http://schemas.openxmlformats.org/officeDocument/2006/relationships" xmlns:p="http://schemas.openxmlformats.org/presentationml/2006/main" show="0">
+<file path=ppt/slides/slide6.xml><?xml version="1.0" encoding="utf-8"?>
+<p:sld xmlns:a="http://schemas.openxmlformats.org/drawingml/2006/main" xmlns:r="http://schemas.openxmlformats.org/officeDocument/2006/relationships" xmlns:p="http://schemas.openxmlformats.org/presentationml/2006/main">
   <p:cSld>
     <p:spTree>
       <p:nvGrpSpPr>
@@ -13043,12 +13184,8 @@
           <a:lstStyle/>
           <a:p>
             <a:r>
-              <a:rPr lang="en-US" dirty="0" err="1"/>
-              <a:t>OuR</a:t>
-            </a:r>
-            <a:r>
               <a:rPr lang="en-US" dirty="0"/>
-              <a:t> IMPLEMENTATION: RISC DIAGRAM </a:t>
+              <a:t>Stream loop detector in RISC</a:t>
             </a:r>
             <a:endParaRPr lang="el-GR" dirty="0"/>
           </a:p>
@@ -13056,31 +13193,38 @@
       </p:sp>
       <p:pic>
         <p:nvPicPr>
-          <p:cNvPr id="5" name="Θέση περιεχομένου 4">
+          <p:cNvPr id="7" name="Picture 6">
             <a:extLst>
               <a:ext uri="{FF2B5EF4-FFF2-40B4-BE49-F238E27FC236}">
-                <a16:creationId xmlns:a16="http://schemas.microsoft.com/office/drawing/2014/main" id="{26A85115-0DAD-4C90-CEBF-2EABCF6CECCA}"/>
+                <a16:creationId xmlns:a16="http://schemas.microsoft.com/office/drawing/2014/main" id="{A1D676FD-5BF2-8155-27BE-6EFB3505B628}"/>
               </a:ext>
             </a:extLst>
           </p:cNvPr>
           <p:cNvPicPr>
-            <a:picLocks noGrp="1" noChangeAspect="1"/>
+            <a:picLocks noChangeAspect="1"/>
           </p:cNvPicPr>
-          <p:nvPr>
-            <p:ph idx="1"/>
-          </p:nvPr>
+          <p:nvPr/>
         </p:nvPicPr>
         <p:blipFill>
-          <a:blip r:embed="rId2"/>
+          <a:blip r:embed="rId2">
+            <a:extLst>
+              <a:ext uri="{28A0092B-C50C-407E-A947-70E740481C1C}">
+                <a14:useLocalDpi xmlns:a14="http://schemas.microsoft.com/office/drawing/2010/main" val="0"/>
+              </a:ext>
+            </a:extLst>
+          </a:blip>
           <a:stretch>
             <a:fillRect/>
           </a:stretch>
         </p:blipFill>
         <p:spPr>
           <a:xfrm>
-            <a:off x="1680718" y="2249488"/>
-            <a:ext cx="8827390" cy="3541712"/>
+            <a:off x="1650306" y="2097088"/>
+            <a:ext cx="8478433" cy="4525006"/>
           </a:xfrm>
+          <a:prstGeom prst="rect">
+            <a:avLst/>
+          </a:prstGeom>
         </p:spPr>
       </p:pic>
     </p:spTree>
@@ -13096,8 +13240,8 @@
 </p:sld>
 </file>
 
-<file path=ppt/slides/slide6.xml><?xml version="1.0" encoding="utf-8"?>
-<p:sld xmlns:a="http://schemas.openxmlformats.org/drawingml/2006/main" xmlns:r="http://schemas.openxmlformats.org/officeDocument/2006/relationships" xmlns:p="http://schemas.openxmlformats.org/presentationml/2006/main" show="0">
+<file path=ppt/slides/slide7.xml><?xml version="1.0" encoding="utf-8"?>
+<p:sld xmlns:a="http://schemas.openxmlformats.org/drawingml/2006/main" xmlns:r="http://schemas.openxmlformats.org/officeDocument/2006/relationships" xmlns:p="http://schemas.openxmlformats.org/presentationml/2006/main">
   <p:cSld>
     <p:spTree>
       <p:nvGrpSpPr>
@@ -13115,10 +13259,10 @@
       </p:grpSpPr>
       <p:sp>
         <p:nvSpPr>
-          <p:cNvPr id="2" name="Τίτλος 1">
+          <p:cNvPr id="2" name="Title 1">
             <a:extLst>
               <a:ext uri="{FF2B5EF4-FFF2-40B4-BE49-F238E27FC236}">
-                <a16:creationId xmlns:a16="http://schemas.microsoft.com/office/drawing/2014/main" id="{2F720231-94D6-ADE9-5C71-B1166C9ED23D}"/>
+                <a16:creationId xmlns:a16="http://schemas.microsoft.com/office/drawing/2014/main" id="{BF074650-C6A8-9565-B24F-44F3AEFA55D1}"/>
               </a:ext>
             </a:extLst>
           </p:cNvPr>
@@ -13129,103 +13273,22 @@
             <p:ph type="title"/>
           </p:nvPr>
         </p:nvSpPr>
-        <p:spPr/>
+        <p:spPr>
+          <a:xfrm>
+            <a:off x="1143001" y="2689715"/>
+            <a:ext cx="9905998" cy="1478570"/>
+          </a:xfrm>
+        </p:spPr>
         <p:txBody>
-          <a:bodyPr/>
+          <a:bodyPr>
+            <a:normAutofit/>
+          </a:bodyPr>
           <a:lstStyle/>
           <a:p>
+            <a:pPr algn="ctr"/>
             <a:r>
-              <a:rPr lang="en-US" dirty="0"/>
-              <a:t>OUR </a:t>
-            </a:r>
-            <a:r>
-              <a:rPr lang="en-US" dirty="0" err="1"/>
-              <a:t>IMPLEMENTATION:uop</a:t>
-            </a:r>
-            <a:r>
-              <a:rPr lang="en-US" dirty="0"/>
-              <a:t> cache</a:t>
-            </a:r>
-            <a:endParaRPr lang="el-GR" dirty="0"/>
-          </a:p>
-        </p:txBody>
-      </p:sp>
-      <p:sp>
-        <p:nvSpPr>
-          <p:cNvPr id="3" name="Θέση περιεχομένου 2">
-            <a:extLst>
-              <a:ext uri="{FF2B5EF4-FFF2-40B4-BE49-F238E27FC236}">
-                <a16:creationId xmlns:a16="http://schemas.microsoft.com/office/drawing/2014/main" id="{1E1FB7C2-68B7-2521-870D-8C2E2D2F2534}"/>
-              </a:ext>
-            </a:extLst>
-          </p:cNvPr>
-          <p:cNvSpPr>
-            <a:spLocks noGrp="1"/>
-          </p:cNvSpPr>
-          <p:nvPr>
-            <p:ph idx="1"/>
-          </p:nvPr>
-        </p:nvSpPr>
-        <p:spPr/>
-        <p:txBody>
-          <a:bodyPr/>
-          <a:lstStyle/>
-          <a:p>
-            <a:r>
-              <a:rPr lang="en-US" dirty="0"/>
-              <a:t>For the </a:t>
-            </a:r>
-            <a:r>
-              <a:rPr lang="en-US" dirty="0" err="1"/>
-              <a:t>uop</a:t>
-            </a:r>
-            <a:r>
-              <a:rPr lang="en-US" dirty="0"/>
-              <a:t> cache we will use one of Xilinx’s BRAMs.</a:t>
-            </a:r>
-          </a:p>
-          <a:p>
-            <a:r>
-              <a:rPr lang="en-US" dirty="0"/>
-              <a:t>The size of the </a:t>
-            </a:r>
-            <a:r>
-              <a:rPr lang="en-US" dirty="0" err="1"/>
-              <a:t>uop</a:t>
-            </a:r>
-            <a:r>
-              <a:rPr lang="en-US" dirty="0"/>
-              <a:t> cache is still to be determined (the amount of </a:t>
-            </a:r>
-            <a:r>
-              <a:rPr lang="en-US" dirty="0" err="1"/>
-              <a:t>uops</a:t>
-            </a:r>
-            <a:r>
-              <a:rPr lang="en-US" dirty="0"/>
-              <a:t> that will be stored) probably around 28 </a:t>
-            </a:r>
-            <a:r>
-              <a:rPr lang="en-US" dirty="0" err="1"/>
-              <a:t>uops</a:t>
-            </a:r>
-            <a:r>
-              <a:rPr lang="en-US" dirty="0"/>
-              <a:t> like one of Intel’s first implementations.</a:t>
-            </a:r>
-          </a:p>
-          <a:p>
-            <a:r>
-              <a:rPr lang="en-US" dirty="0"/>
-              <a:t>The </a:t>
-            </a:r>
-            <a:r>
-              <a:rPr lang="en-US" dirty="0" err="1"/>
-              <a:t>uop</a:t>
-            </a:r>
-            <a:r>
-              <a:rPr lang="en-US" dirty="0"/>
-              <a:t> cache will store the loops when it is allowed by the LSD and then RISC will treat the cache as the instruction cache continuing the execution of the loop from there.</a:t>
+              <a:rPr lang="en-US" sz="7200" dirty="0"/>
+              <a:t>Thank you</a:t>
             </a:r>
           </a:p>
         </p:txBody>
@@ -13233,183 +13296,7 @@
     </p:spTree>
     <p:extLst>
       <p:ext uri="{BB962C8B-B14F-4D97-AF65-F5344CB8AC3E}">
-        <p14:creationId xmlns:p14="http://schemas.microsoft.com/office/powerpoint/2010/main" val="3398334314"/>
-      </p:ext>
-    </p:extLst>
-  </p:cSld>
-  <p:clrMapOvr>
-    <a:masterClrMapping/>
-  </p:clrMapOvr>
-</p:sld>
-</file>
-
-<file path=ppt/slides/slide7.xml><?xml version="1.0" encoding="utf-8"?>
-<p:sld xmlns:a="http://schemas.openxmlformats.org/drawingml/2006/main" xmlns:r="http://schemas.openxmlformats.org/officeDocument/2006/relationships" xmlns:p="http://schemas.openxmlformats.org/presentationml/2006/main" show="0">
-  <p:cSld>
-    <p:spTree>
-      <p:nvGrpSpPr>
-        <p:cNvPr id="1" name=""/>
-        <p:cNvGrpSpPr/>
-        <p:nvPr/>
-      </p:nvGrpSpPr>
-      <p:grpSpPr>
-        <a:xfrm>
-          <a:off x="0" y="0"/>
-          <a:ext cx="0" cy="0"/>
-          <a:chOff x="0" y="0"/>
-          <a:chExt cx="0" cy="0"/>
-        </a:xfrm>
-      </p:grpSpPr>
-      <p:sp>
-        <p:nvSpPr>
-          <p:cNvPr id="2" name="Τίτλος 1">
-            <a:extLst>
-              <a:ext uri="{FF2B5EF4-FFF2-40B4-BE49-F238E27FC236}">
-                <a16:creationId xmlns:a16="http://schemas.microsoft.com/office/drawing/2014/main" id="{13A84A03-8B79-EFD8-E3EF-D2327E412000}"/>
-              </a:ext>
-            </a:extLst>
-          </p:cNvPr>
-          <p:cNvSpPr>
-            <a:spLocks noGrp="1"/>
-          </p:cNvSpPr>
-          <p:nvPr>
-            <p:ph type="title"/>
-          </p:nvPr>
-        </p:nvSpPr>
-        <p:spPr/>
-        <p:txBody>
-          <a:bodyPr/>
-          <a:lstStyle/>
-          <a:p>
-            <a:r>
-              <a:rPr lang="en-US" dirty="0"/>
-              <a:t>OUR IMPLEMENTATION:FSM</a:t>
-            </a:r>
-            <a:endParaRPr lang="el-GR" dirty="0"/>
-          </a:p>
-        </p:txBody>
-      </p:sp>
-      <p:pic>
-        <p:nvPicPr>
-          <p:cNvPr id="5" name="Θέση περιεχομένου 4">
-            <a:extLst>
-              <a:ext uri="{FF2B5EF4-FFF2-40B4-BE49-F238E27FC236}">
-                <a16:creationId xmlns:a16="http://schemas.microsoft.com/office/drawing/2014/main" id="{D94A2ADD-794D-AE7C-4BA0-27CD0CA44A82}"/>
-              </a:ext>
-            </a:extLst>
-          </p:cNvPr>
-          <p:cNvPicPr>
-            <a:picLocks noGrp="1" noChangeAspect="1"/>
-          </p:cNvPicPr>
-          <p:nvPr>
-            <p:ph idx="1"/>
-          </p:nvPr>
-        </p:nvPicPr>
-        <p:blipFill>
-          <a:blip r:embed="rId2"/>
-          <a:stretch>
-            <a:fillRect/>
-          </a:stretch>
-        </p:blipFill>
-        <p:spPr>
-          <a:xfrm>
-            <a:off x="1141413" y="2586941"/>
-            <a:ext cx="9906000" cy="2866805"/>
-          </a:xfrm>
-        </p:spPr>
-      </p:pic>
-    </p:spTree>
-    <p:extLst>
-      <p:ext uri="{BB962C8B-B14F-4D97-AF65-F5344CB8AC3E}">
-        <p14:creationId xmlns:p14="http://schemas.microsoft.com/office/powerpoint/2010/main" val="3870024523"/>
-      </p:ext>
-    </p:extLst>
-  </p:cSld>
-  <p:clrMapOvr>
-    <a:masterClrMapping/>
-  </p:clrMapOvr>
-</p:sld>
-</file>
-
-<file path=ppt/slides/slide8.xml><?xml version="1.0" encoding="utf-8"?>
-<p:sld xmlns:a="http://schemas.openxmlformats.org/drawingml/2006/main" xmlns:r="http://schemas.openxmlformats.org/officeDocument/2006/relationships" xmlns:p="http://schemas.openxmlformats.org/presentationml/2006/main" show="0">
-  <p:cSld>
-    <p:spTree>
-      <p:nvGrpSpPr>
-        <p:cNvPr id="1" name=""/>
-        <p:cNvGrpSpPr/>
-        <p:nvPr/>
-      </p:nvGrpSpPr>
-      <p:grpSpPr>
-        <a:xfrm>
-          <a:off x="0" y="0"/>
-          <a:ext cx="0" cy="0"/>
-          <a:chOff x="0" y="0"/>
-          <a:chExt cx="0" cy="0"/>
-        </a:xfrm>
-      </p:grpSpPr>
-      <p:sp>
-        <p:nvSpPr>
-          <p:cNvPr id="2" name="Τίτλος 1">
-            <a:extLst>
-              <a:ext uri="{FF2B5EF4-FFF2-40B4-BE49-F238E27FC236}">
-                <a16:creationId xmlns:a16="http://schemas.microsoft.com/office/drawing/2014/main" id="{20A553E5-74A9-5CDE-1EF8-396F744BC304}"/>
-              </a:ext>
-            </a:extLst>
-          </p:cNvPr>
-          <p:cNvSpPr>
-            <a:spLocks noGrp="1"/>
-          </p:cNvSpPr>
-          <p:nvPr>
-            <p:ph type="title"/>
-          </p:nvPr>
-        </p:nvSpPr>
-        <p:spPr/>
-        <p:txBody>
-          <a:bodyPr/>
-          <a:lstStyle/>
-          <a:p>
-            <a:r>
-              <a:rPr lang="en-US" dirty="0"/>
-              <a:t>Code EXAMPLE</a:t>
-            </a:r>
-            <a:endParaRPr lang="el-GR" dirty="0"/>
-          </a:p>
-        </p:txBody>
-      </p:sp>
-      <p:pic>
-        <p:nvPicPr>
-          <p:cNvPr id="5" name="Θέση περιεχομένου 4">
-            <a:extLst>
-              <a:ext uri="{FF2B5EF4-FFF2-40B4-BE49-F238E27FC236}">
-                <a16:creationId xmlns:a16="http://schemas.microsoft.com/office/drawing/2014/main" id="{D0E1199B-7887-50AA-2202-6F4622FF44A6}"/>
-              </a:ext>
-            </a:extLst>
-          </p:cNvPr>
-          <p:cNvPicPr>
-            <a:picLocks noGrp="1" noChangeAspect="1"/>
-          </p:cNvPicPr>
-          <p:nvPr>
-            <p:ph idx="1"/>
-          </p:nvPr>
-        </p:nvPicPr>
-        <p:blipFill>
-          <a:blip r:embed="rId2"/>
-          <a:stretch>
-            <a:fillRect/>
-          </a:stretch>
-        </p:blipFill>
-        <p:spPr>
-          <a:xfrm>
-            <a:off x="3436006" y="2249488"/>
-            <a:ext cx="5316814" cy="3541712"/>
-          </a:xfrm>
-        </p:spPr>
-      </p:pic>
-    </p:spTree>
-    <p:extLst>
-      <p:ext uri="{BB962C8B-B14F-4D97-AF65-F5344CB8AC3E}">
-        <p14:creationId xmlns:p14="http://schemas.microsoft.com/office/powerpoint/2010/main" val="1386756287"/>
+        <p14:creationId xmlns:p14="http://schemas.microsoft.com/office/powerpoint/2010/main" val="1002134175"/>
       </p:ext>
     </p:extLst>
   </p:cSld>
